--- a/Concept Presentatie.pptx
+++ b/Concept Presentatie.pptx
@@ -10,6 +10,7 @@
     <p:sldId id="258" r:id="rId4"/>
     <p:sldId id="259" r:id="rId5"/>
     <p:sldId id="260" r:id="rId6"/>
+    <p:sldId id="261" r:id="rId7"/>
   </p:sldIdLst>
   <p:sldSz cx="9144000" cy="6858000" type="screen4x3"/>
   <p:notesSz cx="6858000" cy="9144000"/>
@@ -292,7 +293,7 @@
           <a:p>
             <a:fld id="{ACB0E618-CB86-4235-AD5B-2983D8CDAF67}" type="datetimeFigureOut">
               <a:rPr lang="nl-NL" smtClean="0"/>
-              <a:t>15-4-2019</a:t>
+              <a:t>17-4-2019</a:t>
             </a:fld>
             <a:endParaRPr lang="nl-NL"/>
           </a:p>
@@ -462,7 +463,7 @@
           <a:p>
             <a:fld id="{ACB0E618-CB86-4235-AD5B-2983D8CDAF67}" type="datetimeFigureOut">
               <a:rPr lang="nl-NL" smtClean="0"/>
-              <a:t>15-4-2019</a:t>
+              <a:t>17-4-2019</a:t>
             </a:fld>
             <a:endParaRPr lang="nl-NL"/>
           </a:p>
@@ -642,7 +643,7 @@
           <a:p>
             <a:fld id="{ACB0E618-CB86-4235-AD5B-2983D8CDAF67}" type="datetimeFigureOut">
               <a:rPr lang="nl-NL" smtClean="0"/>
-              <a:t>15-4-2019</a:t>
+              <a:t>17-4-2019</a:t>
             </a:fld>
             <a:endParaRPr lang="nl-NL"/>
           </a:p>
@@ -812,7 +813,7 @@
           <a:p>
             <a:fld id="{ACB0E618-CB86-4235-AD5B-2983D8CDAF67}" type="datetimeFigureOut">
               <a:rPr lang="nl-NL" smtClean="0"/>
-              <a:t>15-4-2019</a:t>
+              <a:t>17-4-2019</a:t>
             </a:fld>
             <a:endParaRPr lang="nl-NL"/>
           </a:p>
@@ -1058,7 +1059,7 @@
           <a:p>
             <a:fld id="{ACB0E618-CB86-4235-AD5B-2983D8CDAF67}" type="datetimeFigureOut">
               <a:rPr lang="nl-NL" smtClean="0"/>
-              <a:t>15-4-2019</a:t>
+              <a:t>17-4-2019</a:t>
             </a:fld>
             <a:endParaRPr lang="nl-NL"/>
           </a:p>
@@ -1346,7 +1347,7 @@
           <a:p>
             <a:fld id="{ACB0E618-CB86-4235-AD5B-2983D8CDAF67}" type="datetimeFigureOut">
               <a:rPr lang="nl-NL" smtClean="0"/>
-              <a:t>15-4-2019</a:t>
+              <a:t>17-4-2019</a:t>
             </a:fld>
             <a:endParaRPr lang="nl-NL"/>
           </a:p>
@@ -1768,7 +1769,7 @@
           <a:p>
             <a:fld id="{ACB0E618-CB86-4235-AD5B-2983D8CDAF67}" type="datetimeFigureOut">
               <a:rPr lang="nl-NL" smtClean="0"/>
-              <a:t>15-4-2019</a:t>
+              <a:t>17-4-2019</a:t>
             </a:fld>
             <a:endParaRPr lang="nl-NL"/>
           </a:p>
@@ -1886,7 +1887,7 @@
           <a:p>
             <a:fld id="{ACB0E618-CB86-4235-AD5B-2983D8CDAF67}" type="datetimeFigureOut">
               <a:rPr lang="nl-NL" smtClean="0"/>
-              <a:t>15-4-2019</a:t>
+              <a:t>17-4-2019</a:t>
             </a:fld>
             <a:endParaRPr lang="nl-NL"/>
           </a:p>
@@ -1981,7 +1982,7 @@
           <a:p>
             <a:fld id="{ACB0E618-CB86-4235-AD5B-2983D8CDAF67}" type="datetimeFigureOut">
               <a:rPr lang="nl-NL" smtClean="0"/>
-              <a:t>15-4-2019</a:t>
+              <a:t>17-4-2019</a:t>
             </a:fld>
             <a:endParaRPr lang="nl-NL"/>
           </a:p>
@@ -2258,7 +2259,7 @@
           <a:p>
             <a:fld id="{ACB0E618-CB86-4235-AD5B-2983D8CDAF67}" type="datetimeFigureOut">
               <a:rPr lang="nl-NL" smtClean="0"/>
-              <a:t>15-4-2019</a:t>
+              <a:t>17-4-2019</a:t>
             </a:fld>
             <a:endParaRPr lang="nl-NL"/>
           </a:p>
@@ -2511,7 +2512,7 @@
           <a:p>
             <a:fld id="{ACB0E618-CB86-4235-AD5B-2983D8CDAF67}" type="datetimeFigureOut">
               <a:rPr lang="nl-NL" smtClean="0"/>
-              <a:t>15-4-2019</a:t>
+              <a:t>17-4-2019</a:t>
             </a:fld>
             <a:endParaRPr lang="nl-NL"/>
           </a:p>
@@ -2733,7 +2734,7 @@
           <a:p>
             <a:fld id="{ACB0E618-CB86-4235-AD5B-2983D8CDAF67}" type="datetimeFigureOut">
               <a:rPr lang="nl-NL" smtClean="0"/>
-              <a:t>15-4-2019</a:t>
+              <a:t>17-4-2019</a:t>
             </a:fld>
             <a:endParaRPr lang="nl-NL"/>
           </a:p>
@@ -3120,8 +3121,8 @@
         </p:nvSpPr>
         <p:spPr>
           <a:xfrm>
-            <a:off x="1259632" y="188640"/>
-            <a:ext cx="7772400" cy="1470025"/>
+            <a:off x="827584" y="188640"/>
+            <a:ext cx="7560840" cy="1470025"/>
           </a:xfrm>
         </p:spPr>
         <p:txBody>
@@ -3154,8 +3155,8 @@
         </p:nvSpPr>
         <p:spPr>
           <a:xfrm>
-            <a:off x="17731" y="5102902"/>
-            <a:ext cx="6400800" cy="1752600"/>
+            <a:off x="827584" y="5013176"/>
+            <a:ext cx="7488832" cy="1752600"/>
           </a:xfrm>
         </p:spPr>
         <p:txBody>
@@ -3167,7 +3168,7 @@
             <a:r>
               <a:rPr lang="nl-NL" dirty="0" smtClean="0">
                 <a:solidFill>
-                  <a:schemeClr val="bg1"/>
+                  <a:schemeClr val="tx1"/>
                 </a:solidFill>
                 <a:latin typeface="BlackCastleMF" panose="00000400000000000000" pitchFamily="2" charset="0"/>
               </a:rPr>
@@ -3178,7 +3179,7 @@
             <a:r>
               <a:rPr lang="nl-NL" dirty="0" smtClean="0">
                 <a:solidFill>
-                  <a:schemeClr val="bg1"/>
+                  <a:schemeClr val="tx1"/>
                 </a:solidFill>
                 <a:latin typeface="BlackCastleMF" panose="00000400000000000000" pitchFamily="2" charset="0"/>
               </a:rPr>
@@ -3189,7 +3190,7 @@
             <a:r>
               <a:rPr lang="nl-NL" dirty="0" smtClean="0">
                 <a:solidFill>
-                  <a:schemeClr val="bg1"/>
+                  <a:schemeClr val="tx1"/>
                 </a:solidFill>
                 <a:latin typeface="BlackCastleMF" panose="00000400000000000000" pitchFamily="2" charset="0"/>
               </a:rPr>
@@ -3198,7 +3199,7 @@
             <a:r>
               <a:rPr lang="nl-NL" dirty="0" err="1" smtClean="0">
                 <a:solidFill>
-                  <a:schemeClr val="bg1"/>
+                  <a:schemeClr val="tx1"/>
                 </a:solidFill>
                 <a:latin typeface="BlackCastleMF" panose="00000400000000000000" pitchFamily="2" charset="0"/>
               </a:rPr>
@@ -3207,7 +3208,7 @@
             <a:r>
               <a:rPr lang="nl-NL" dirty="0" smtClean="0">
                 <a:solidFill>
-                  <a:schemeClr val="bg1"/>
+                  <a:schemeClr val="tx1"/>
                 </a:solidFill>
                 <a:latin typeface="BlackCastleMF" panose="00000400000000000000" pitchFamily="2" charset="0"/>
               </a:rPr>
@@ -3216,7 +3217,7 @@
             <a:r>
               <a:rPr lang="nl-NL" dirty="0" err="1" smtClean="0">
                 <a:solidFill>
-                  <a:schemeClr val="bg1"/>
+                  <a:schemeClr val="tx1"/>
                 </a:solidFill>
                 <a:latin typeface="BlackCastleMF" panose="00000400000000000000" pitchFamily="2" charset="0"/>
               </a:rPr>
@@ -3225,7 +3226,7 @@
             <a:r>
               <a:rPr lang="nl-NL" dirty="0" smtClean="0">
                 <a:solidFill>
-                  <a:schemeClr val="bg1"/>
+                  <a:schemeClr val="tx1"/>
                 </a:solidFill>
                 <a:latin typeface="BlackCastleMF" panose="00000400000000000000" pitchFamily="2" charset="0"/>
               </a:rPr>
@@ -3236,7 +3237,7 @@
             <a:r>
               <a:rPr lang="nl-NL" dirty="0" smtClean="0">
                 <a:solidFill>
-                  <a:schemeClr val="bg1"/>
+                  <a:schemeClr val="tx1"/>
                 </a:solidFill>
                 <a:latin typeface="BlackCastleMF" panose="00000400000000000000" pitchFamily="2" charset="0"/>
               </a:rPr>
@@ -3247,7 +3248,7 @@
             <a:r>
               <a:rPr lang="nl-NL" dirty="0" smtClean="0">
                 <a:solidFill>
-                  <a:schemeClr val="bg1"/>
+                  <a:schemeClr val="tx1"/>
                 </a:solidFill>
                 <a:latin typeface="BlackCastleMF" panose="00000400000000000000" pitchFamily="2" charset="0"/>
               </a:rPr>
@@ -3256,7 +3257,7 @@
             <a:r>
               <a:rPr lang="nl-NL" dirty="0" err="1" smtClean="0">
                 <a:solidFill>
-                  <a:schemeClr val="bg1"/>
+                  <a:schemeClr val="tx1"/>
                 </a:solidFill>
                 <a:latin typeface="BlackCastleMF" panose="00000400000000000000" pitchFamily="2" charset="0"/>
               </a:rPr>
@@ -3265,7 +3266,7 @@
             <a:r>
               <a:rPr lang="nl-NL" dirty="0" smtClean="0">
                 <a:solidFill>
-                  <a:schemeClr val="bg1"/>
+                  <a:schemeClr val="tx1"/>
                 </a:solidFill>
                 <a:latin typeface="BlackCastleMF" panose="00000400000000000000" pitchFamily="2" charset="0"/>
               </a:rPr>
@@ -3274,21 +3275,66 @@
             <a:r>
               <a:rPr lang="nl-NL" dirty="0" err="1" smtClean="0">
                 <a:solidFill>
-                  <a:schemeClr val="bg1"/>
+                  <a:schemeClr val="tx1"/>
                 </a:solidFill>
                 <a:latin typeface="BlackCastleMF" panose="00000400000000000000" pitchFamily="2" charset="0"/>
               </a:rPr>
               <a:t>Programmer</a:t>
             </a:r>
+            <a:r>
+              <a:rPr lang="nl-NL" dirty="0" smtClean="0">
+                <a:solidFill>
+                  <a:schemeClr val="tx1"/>
+                </a:solidFill>
+                <a:latin typeface="BlackCastleMF" panose="00000400000000000000" pitchFamily="2" charset="0"/>
+              </a:rPr>
+              <a:t> / Game Design</a:t>
+            </a:r>
             <a:endParaRPr lang="nl-NL" dirty="0" smtClean="0">
               <a:solidFill>
-                <a:schemeClr val="bg1"/>
+                <a:schemeClr val="tx1"/>
               </a:solidFill>
               <a:latin typeface="BlackCastleMF" panose="00000400000000000000" pitchFamily="2" charset="0"/>
             </a:endParaRPr>
           </a:p>
         </p:txBody>
       </p:sp>
+      <p:pic>
+        <p:nvPicPr>
+          <p:cNvPr id="4" name="Afbeelding 3"/>
+          <p:cNvPicPr>
+            <a:picLocks noChangeAspect="1"/>
+          </p:cNvPicPr>
+          <p:nvPr/>
+        </p:nvPicPr>
+        <p:blipFill>
+          <a:blip r:embed="rId2">
+            <a:extLst>
+              <a:ext uri="{28A0092B-C50C-407E-A947-70E740481C1C}">
+                <a14:useLocalDpi xmlns:a14="http://schemas.microsoft.com/office/drawing/2010/main" val="0"/>
+              </a:ext>
+            </a:extLst>
+          </a:blip>
+          <a:stretch>
+            <a:fillRect/>
+          </a:stretch>
+        </p:blipFill>
+        <p:spPr>
+          <a:xfrm>
+            <a:off x="2051720" y="1556792"/>
+            <a:ext cx="5184576" cy="3240360"/>
+          </a:xfrm>
+          <a:prstGeom prst="rect">
+            <a:avLst/>
+          </a:prstGeom>
+          <a:ln>
+            <a:noFill/>
+          </a:ln>
+          <a:effectLst>
+            <a:softEdge rad="112500"/>
+          </a:effectLst>
+        </p:spPr>
+      </p:pic>
     </p:spTree>
     <p:extLst>
       <p:ext uri="{BB962C8B-B14F-4D97-AF65-F5344CB8AC3E}">
@@ -3299,6 +3345,13 @@
   <p:clrMapOvr>
     <a:masterClrMapping/>
   </p:clrMapOvr>
+  <p:timing>
+    <p:tnLst>
+      <p:par>
+        <p:cTn id="1" dur="indefinite" restart="never" nodeType="tmRoot"/>
+      </p:par>
+    </p:tnLst>
+  </p:timing>
 </p:sld>
 </file>
 
@@ -3348,68 +3401,6 @@
       </p:sp>
       <p:sp>
         <p:nvSpPr>
-          <p:cNvPr id="3" name="Tijdelijke aanduiding voor inhoud 2"/>
-          <p:cNvSpPr>
-            <a:spLocks noGrp="1"/>
-          </p:cNvSpPr>
-          <p:nvPr>
-            <p:ph idx="1"/>
-          </p:nvPr>
-        </p:nvSpPr>
-        <p:spPr>
-          <a:xfrm>
-            <a:off x="457200" y="4653136"/>
-            <a:ext cx="4114800" cy="2088232"/>
-          </a:xfrm>
-        </p:spPr>
-        <p:txBody>
-          <a:bodyPr>
-            <a:normAutofit/>
-          </a:bodyPr>
-          <a:lstStyle/>
-          <a:p>
-            <a:r>
-              <a:rPr lang="nl-NL" dirty="0" smtClean="0">
-                <a:solidFill>
-                  <a:schemeClr val="bg1"/>
-                </a:solidFill>
-                <a:latin typeface="BlackCastleMF" panose="00000400000000000000" pitchFamily="2" charset="0"/>
-              </a:rPr>
-              <a:t>Inspiratie</a:t>
-            </a:r>
-          </a:p>
-          <a:p>
-            <a:r>
-              <a:rPr lang="nl-NL" dirty="0" smtClean="0">
-                <a:solidFill>
-                  <a:schemeClr val="bg1"/>
-                </a:solidFill>
-                <a:latin typeface="BlackCastleMF" panose="00000400000000000000" pitchFamily="2" charset="0"/>
-              </a:rPr>
-              <a:t>Art Style</a:t>
-            </a:r>
-          </a:p>
-          <a:p>
-            <a:r>
-              <a:rPr lang="nl-NL" dirty="0" err="1" smtClean="0">
-                <a:solidFill>
-                  <a:schemeClr val="bg1"/>
-                </a:solidFill>
-                <a:latin typeface="BlackCastleMF" panose="00000400000000000000" pitchFamily="2" charset="0"/>
-              </a:rPr>
-              <a:t>Mechanics</a:t>
-            </a:r>
-            <a:endParaRPr lang="nl-NL" dirty="0" smtClean="0">
-              <a:solidFill>
-                <a:schemeClr val="bg1"/>
-              </a:solidFill>
-              <a:latin typeface="BlackCastleMF" panose="00000400000000000000" pitchFamily="2" charset="0"/>
-            </a:endParaRPr>
-          </a:p>
-        </p:txBody>
-      </p:sp>
-      <p:sp>
-        <p:nvSpPr>
           <p:cNvPr id="4" name="Tijdelijke aanduiding voor inhoud 2"/>
           <p:cNvSpPr txBox="1">
             <a:spLocks/>
@@ -3568,9 +3559,193 @@
           </a:lstStyle>
           <a:p>
             <a:endParaRPr lang="nl-NL" dirty="0">
-              <a:solidFill>
-                <a:schemeClr val="bg1"/>
-              </a:solidFill>
+              <a:latin typeface="BlackCastleMF" panose="00000400000000000000" pitchFamily="2" charset="0"/>
+            </a:endParaRPr>
+          </a:p>
+        </p:txBody>
+      </p:sp>
+      <p:sp>
+        <p:nvSpPr>
+          <p:cNvPr id="5" name="Tijdelijke aanduiding voor inhoud 2"/>
+          <p:cNvSpPr txBox="1">
+            <a:spLocks/>
+          </p:cNvSpPr>
+          <p:nvPr/>
+        </p:nvSpPr>
+        <p:spPr>
+          <a:xfrm>
+            <a:off x="971600" y="1340768"/>
+            <a:ext cx="7200800" cy="5328592"/>
+          </a:xfrm>
+          <a:prstGeom prst="rect">
+            <a:avLst/>
+          </a:prstGeom>
+        </p:spPr>
+        <p:txBody>
+          <a:bodyPr vert="horz" lIns="91440" tIns="45720" rIns="91440" bIns="45720" rtlCol="0">
+            <a:normAutofit/>
+          </a:bodyPr>
+          <a:lstStyle>
+            <a:lvl1pPr marL="342900" indent="-342900" algn="l" defTabSz="914400" rtl="0" eaLnBrk="1" latinLnBrk="0" hangingPunct="1">
+              <a:spcBef>
+                <a:spcPct val="20000"/>
+              </a:spcBef>
+              <a:buFont typeface="Arial" panose="020B0604020202020204" pitchFamily="34" charset="0"/>
+              <a:buChar char="•"/>
+              <a:defRPr sz="3200" kern="1200">
+                <a:solidFill>
+                  <a:schemeClr val="tx1"/>
+                </a:solidFill>
+                <a:latin typeface="+mn-lt"/>
+                <a:ea typeface="+mn-ea"/>
+                <a:cs typeface="+mn-cs"/>
+              </a:defRPr>
+            </a:lvl1pPr>
+            <a:lvl2pPr marL="742950" indent="-285750" algn="l" defTabSz="914400" rtl="0" eaLnBrk="1" latinLnBrk="0" hangingPunct="1">
+              <a:spcBef>
+                <a:spcPct val="20000"/>
+              </a:spcBef>
+              <a:buFont typeface="Arial" panose="020B0604020202020204" pitchFamily="34" charset="0"/>
+              <a:buChar char="–"/>
+              <a:defRPr sz="2800" kern="1200">
+                <a:solidFill>
+                  <a:schemeClr val="tx1"/>
+                </a:solidFill>
+                <a:latin typeface="+mn-lt"/>
+                <a:ea typeface="+mn-ea"/>
+                <a:cs typeface="+mn-cs"/>
+              </a:defRPr>
+            </a:lvl2pPr>
+            <a:lvl3pPr marL="1143000" indent="-228600" algn="l" defTabSz="914400" rtl="0" eaLnBrk="1" latinLnBrk="0" hangingPunct="1">
+              <a:spcBef>
+                <a:spcPct val="20000"/>
+              </a:spcBef>
+              <a:buFont typeface="Arial" panose="020B0604020202020204" pitchFamily="34" charset="0"/>
+              <a:buChar char="•"/>
+              <a:defRPr sz="2400" kern="1200">
+                <a:solidFill>
+                  <a:schemeClr val="tx1"/>
+                </a:solidFill>
+                <a:latin typeface="+mn-lt"/>
+                <a:ea typeface="+mn-ea"/>
+                <a:cs typeface="+mn-cs"/>
+              </a:defRPr>
+            </a:lvl3pPr>
+            <a:lvl4pPr marL="1600200" indent="-228600" algn="l" defTabSz="914400" rtl="0" eaLnBrk="1" latinLnBrk="0" hangingPunct="1">
+              <a:spcBef>
+                <a:spcPct val="20000"/>
+              </a:spcBef>
+              <a:buFont typeface="Arial" panose="020B0604020202020204" pitchFamily="34" charset="0"/>
+              <a:buChar char="–"/>
+              <a:defRPr sz="2000" kern="1200">
+                <a:solidFill>
+                  <a:schemeClr val="tx1"/>
+                </a:solidFill>
+                <a:latin typeface="+mn-lt"/>
+                <a:ea typeface="+mn-ea"/>
+                <a:cs typeface="+mn-cs"/>
+              </a:defRPr>
+            </a:lvl4pPr>
+            <a:lvl5pPr marL="2057400" indent="-228600" algn="l" defTabSz="914400" rtl="0" eaLnBrk="1" latinLnBrk="0" hangingPunct="1">
+              <a:spcBef>
+                <a:spcPct val="20000"/>
+              </a:spcBef>
+              <a:buFont typeface="Arial" panose="020B0604020202020204" pitchFamily="34" charset="0"/>
+              <a:buChar char="»"/>
+              <a:defRPr sz="2000" kern="1200">
+                <a:solidFill>
+                  <a:schemeClr val="tx1"/>
+                </a:solidFill>
+                <a:latin typeface="+mn-lt"/>
+                <a:ea typeface="+mn-ea"/>
+                <a:cs typeface="+mn-cs"/>
+              </a:defRPr>
+            </a:lvl5pPr>
+            <a:lvl6pPr marL="2514600" indent="-228600" algn="l" defTabSz="914400" rtl="0" eaLnBrk="1" latinLnBrk="0" hangingPunct="1">
+              <a:spcBef>
+                <a:spcPct val="20000"/>
+              </a:spcBef>
+              <a:buFont typeface="Arial" panose="020B0604020202020204" pitchFamily="34" charset="0"/>
+              <a:buChar char="•"/>
+              <a:defRPr sz="2000" kern="1200">
+                <a:solidFill>
+                  <a:schemeClr val="tx1"/>
+                </a:solidFill>
+                <a:latin typeface="+mn-lt"/>
+                <a:ea typeface="+mn-ea"/>
+                <a:cs typeface="+mn-cs"/>
+              </a:defRPr>
+            </a:lvl6pPr>
+            <a:lvl7pPr marL="2971800" indent="-228600" algn="l" defTabSz="914400" rtl="0" eaLnBrk="1" latinLnBrk="0" hangingPunct="1">
+              <a:spcBef>
+                <a:spcPct val="20000"/>
+              </a:spcBef>
+              <a:buFont typeface="Arial" panose="020B0604020202020204" pitchFamily="34" charset="0"/>
+              <a:buChar char="•"/>
+              <a:defRPr sz="2000" kern="1200">
+                <a:solidFill>
+                  <a:schemeClr val="tx1"/>
+                </a:solidFill>
+                <a:latin typeface="+mn-lt"/>
+                <a:ea typeface="+mn-ea"/>
+                <a:cs typeface="+mn-cs"/>
+              </a:defRPr>
+            </a:lvl7pPr>
+            <a:lvl8pPr marL="3429000" indent="-228600" algn="l" defTabSz="914400" rtl="0" eaLnBrk="1" latinLnBrk="0" hangingPunct="1">
+              <a:spcBef>
+                <a:spcPct val="20000"/>
+              </a:spcBef>
+              <a:buFont typeface="Arial" panose="020B0604020202020204" pitchFamily="34" charset="0"/>
+              <a:buChar char="•"/>
+              <a:defRPr sz="2000" kern="1200">
+                <a:solidFill>
+                  <a:schemeClr val="tx1"/>
+                </a:solidFill>
+                <a:latin typeface="+mn-lt"/>
+                <a:ea typeface="+mn-ea"/>
+                <a:cs typeface="+mn-cs"/>
+              </a:defRPr>
+            </a:lvl8pPr>
+            <a:lvl9pPr marL="3886200" indent="-228600" algn="l" defTabSz="914400" rtl="0" eaLnBrk="1" latinLnBrk="0" hangingPunct="1">
+              <a:spcBef>
+                <a:spcPct val="20000"/>
+              </a:spcBef>
+              <a:buFont typeface="Arial" panose="020B0604020202020204" pitchFamily="34" charset="0"/>
+              <a:buChar char="•"/>
+              <a:defRPr sz="2000" kern="1200">
+                <a:solidFill>
+                  <a:schemeClr val="tx1"/>
+                </a:solidFill>
+                <a:latin typeface="+mn-lt"/>
+                <a:ea typeface="+mn-ea"/>
+                <a:cs typeface="+mn-cs"/>
+              </a:defRPr>
+            </a:lvl9pPr>
+          </a:lstStyle>
+          <a:p>
+            <a:r>
+              <a:rPr lang="nl-NL" dirty="0" smtClean="0">
+                <a:latin typeface="BlackCastleMF" panose="00000400000000000000" pitchFamily="2" charset="0"/>
+              </a:rPr>
+              <a:t>Inspiratie</a:t>
+            </a:r>
+          </a:p>
+          <a:p>
+            <a:r>
+              <a:rPr lang="nl-NL" dirty="0" smtClean="0">
+                <a:latin typeface="BlackCastleMF" panose="00000400000000000000" pitchFamily="2" charset="0"/>
+              </a:rPr>
+              <a:t>Art Style</a:t>
+            </a:r>
+          </a:p>
+          <a:p>
+            <a:r>
+              <a:rPr lang="nl-NL" dirty="0" err="1" smtClean="0">
+                <a:latin typeface="BlackCastleMF" panose="00000400000000000000" pitchFamily="2" charset="0"/>
+              </a:rPr>
+              <a:t>Mechanics</a:t>
+            </a:r>
+            <a:endParaRPr lang="nl-NL" dirty="0" smtClean="0">
               <a:latin typeface="BlackCastleMF" panose="00000400000000000000" pitchFamily="2" charset="0"/>
             </a:endParaRPr>
           </a:p>
@@ -3586,6 +3761,13 @@
   <p:clrMapOvr>
     <a:masterClrMapping/>
   </p:clrMapOvr>
+  <p:timing>
+    <p:tnLst>
+      <p:par>
+        <p:cTn id="1" dur="indefinite" restart="never" nodeType="tmRoot"/>
+      </p:par>
+    </p:tnLst>
+  </p:timing>
 </p:sld>
 </file>
 
@@ -3635,78 +3817,16 @@
       </p:sp>
       <p:sp>
         <p:nvSpPr>
-          <p:cNvPr id="3" name="Tijdelijke aanduiding voor inhoud 2"/>
-          <p:cNvSpPr>
-            <a:spLocks noGrp="1"/>
-          </p:cNvSpPr>
-          <p:nvPr>
-            <p:ph idx="1"/>
-          </p:nvPr>
+          <p:cNvPr id="5" name="Tijdelijke aanduiding voor inhoud 2"/>
+          <p:cNvSpPr txBox="1">
+            <a:spLocks/>
+          </p:cNvSpPr>
+          <p:nvPr/>
         </p:nvSpPr>
         <p:spPr>
           <a:xfrm>
-            <a:off x="457200" y="4653136"/>
-            <a:ext cx="4114800" cy="2088232"/>
-          </a:xfrm>
-        </p:spPr>
-        <p:txBody>
-          <a:bodyPr>
-            <a:normAutofit/>
-          </a:bodyPr>
-          <a:lstStyle/>
-          <a:p>
-            <a:r>
-              <a:rPr lang="nl-NL" dirty="0" smtClean="0">
-                <a:solidFill>
-                  <a:schemeClr val="bg1"/>
-                </a:solidFill>
-                <a:latin typeface="BlackCastleMF" panose="00000400000000000000" pitchFamily="2" charset="0"/>
-              </a:rPr>
-              <a:t>Middel Eeuwen</a:t>
-            </a:r>
-          </a:p>
-          <a:p>
-            <a:r>
-              <a:rPr lang="nl-NL" dirty="0" smtClean="0">
-                <a:solidFill>
-                  <a:schemeClr val="bg1"/>
-                </a:solidFill>
-                <a:latin typeface="BlackCastleMF" panose="00000400000000000000" pitchFamily="2" charset="0"/>
-              </a:rPr>
-              <a:t>Duitsland</a:t>
-            </a:r>
-          </a:p>
-          <a:p>
-            <a:r>
-              <a:rPr lang="nl-NL" dirty="0" err="1" smtClean="0">
-                <a:solidFill>
-                  <a:schemeClr val="bg1"/>
-                </a:solidFill>
-                <a:latin typeface="BlackCastleMF" panose="00000400000000000000" pitchFamily="2" charset="0"/>
-              </a:rPr>
-              <a:t>Rheinland</a:t>
-            </a:r>
-            <a:endParaRPr lang="nl-NL" dirty="0" smtClean="0">
-              <a:solidFill>
-                <a:schemeClr val="bg1"/>
-              </a:solidFill>
-              <a:latin typeface="BlackCastleMF" panose="00000400000000000000" pitchFamily="2" charset="0"/>
-            </a:endParaRPr>
-          </a:p>
-        </p:txBody>
-      </p:sp>
-      <p:sp>
-        <p:nvSpPr>
-          <p:cNvPr id="4" name="Tijdelijke aanduiding voor inhoud 2"/>
-          <p:cNvSpPr txBox="1">
-            <a:spLocks/>
-          </p:cNvSpPr>
-          <p:nvPr/>
-        </p:nvSpPr>
-        <p:spPr>
-          <a:xfrm>
-            <a:off x="4721597" y="4653136"/>
-            <a:ext cx="4114800" cy="2088232"/>
+            <a:off x="971600" y="1340768"/>
+            <a:ext cx="7200800" cy="5328592"/>
           </a:xfrm>
           <a:prstGeom prst="rect">
             <a:avLst/>
@@ -3856,9 +3976,33 @@
           <a:p>
             <a:r>
               <a:rPr lang="nl-NL" dirty="0" smtClean="0">
-                <a:solidFill>
-                  <a:schemeClr val="bg1"/>
-                </a:solidFill>
+                <a:latin typeface="BlackCastleMF" panose="00000400000000000000" pitchFamily="2" charset="0"/>
+              </a:rPr>
+              <a:t>Middel Eeuwen</a:t>
+            </a:r>
+          </a:p>
+          <a:p>
+            <a:r>
+              <a:rPr lang="nl-NL" dirty="0" smtClean="0">
+                <a:latin typeface="BlackCastleMF" panose="00000400000000000000" pitchFamily="2" charset="0"/>
+              </a:rPr>
+              <a:t>Duitsland</a:t>
+            </a:r>
+          </a:p>
+          <a:p>
+            <a:r>
+              <a:rPr lang="nl-NL" dirty="0" err="1" smtClean="0">
+                <a:latin typeface="BlackCastleMF" panose="00000400000000000000" pitchFamily="2" charset="0"/>
+              </a:rPr>
+              <a:t>Rheinland</a:t>
+            </a:r>
+            <a:endParaRPr lang="nl-NL" dirty="0" smtClean="0">
+              <a:latin typeface="BlackCastleMF" panose="00000400000000000000" pitchFamily="2" charset="0"/>
+            </a:endParaRPr>
+          </a:p>
+          <a:p>
+            <a:r>
+              <a:rPr lang="nl-NL" dirty="0" smtClean="0">
                 <a:latin typeface="BlackCastleMF" panose="00000400000000000000" pitchFamily="2" charset="0"/>
               </a:rPr>
               <a:t>Knights &amp; Merchants</a:t>
@@ -3867,9 +4011,6 @@
           <a:p>
             <a:r>
               <a:rPr lang="nl-NL" dirty="0" smtClean="0">
-                <a:solidFill>
-                  <a:schemeClr val="bg1"/>
-                </a:solidFill>
                 <a:latin typeface="BlackCastleMF" panose="00000400000000000000" pitchFamily="2" charset="0"/>
               </a:rPr>
               <a:t>Northgard</a:t>
@@ -3878,17 +4019,11 @@
           <a:p>
             <a:r>
               <a:rPr lang="nl-NL" dirty="0" smtClean="0">
-                <a:solidFill>
-                  <a:schemeClr val="bg1"/>
-                </a:solidFill>
                 <a:latin typeface="BlackCastleMF" panose="00000400000000000000" pitchFamily="2" charset="0"/>
               </a:rPr>
               <a:t>Settlers</a:t>
             </a:r>
-            <a:endParaRPr lang="nl-NL" dirty="0">
-              <a:solidFill>
-                <a:schemeClr val="bg1"/>
-              </a:solidFill>
+            <a:endParaRPr lang="nl-NL" dirty="0" smtClean="0">
               <a:latin typeface="BlackCastleMF" panose="00000400000000000000" pitchFamily="2" charset="0"/>
             </a:endParaRPr>
           </a:p>
@@ -3904,6 +4039,13 @@
   <p:clrMapOvr>
     <a:masterClrMapping/>
   </p:clrMapOvr>
+  <p:timing>
+    <p:tnLst>
+      <p:par>
+        <p:cTn id="1" dur="indefinite" restart="never" nodeType="tmRoot"/>
+      </p:par>
+    </p:tnLst>
+  </p:timing>
 </p:sld>
 </file>
 
@@ -3963,8 +4105,8 @@
         </p:nvSpPr>
         <p:spPr>
           <a:xfrm>
-            <a:off x="457200" y="4653136"/>
-            <a:ext cx="4114800" cy="2088232"/>
+            <a:off x="755576" y="1340768"/>
+            <a:ext cx="4474840" cy="2088232"/>
           </a:xfrm>
         </p:spPr>
         <p:txBody>
@@ -3975,9 +4117,6 @@
           <a:p>
             <a:r>
               <a:rPr lang="nl-NL" dirty="0" smtClean="0">
-                <a:solidFill>
-                  <a:schemeClr val="bg1"/>
-                </a:solidFill>
                 <a:latin typeface="BlackCastleMF" panose="00000400000000000000" pitchFamily="2" charset="0"/>
               </a:rPr>
               <a:t>Realistisch</a:t>
@@ -3986,12 +4125,15 @@
           <a:p>
             <a:r>
               <a:rPr lang="nl-NL" dirty="0" smtClean="0">
-                <a:solidFill>
-                  <a:schemeClr val="bg1"/>
-                </a:solidFill>
                 <a:latin typeface="BlackCastleMF" panose="00000400000000000000" pitchFamily="2" charset="0"/>
               </a:rPr>
-              <a:t>Historisch accuraat</a:t>
+              <a:t>Semi-historisch </a:t>
+            </a:r>
+            <a:r>
+              <a:rPr lang="nl-NL" dirty="0" smtClean="0">
+                <a:latin typeface="BlackCastleMF" panose="00000400000000000000" pitchFamily="2" charset="0"/>
+              </a:rPr>
+              <a:t>accuraat</a:t>
             </a:r>
           </a:p>
         </p:txBody>
@@ -4156,9 +4298,6 @@
           </a:lstStyle>
           <a:p>
             <a:endParaRPr lang="nl-NL" dirty="0">
-              <a:solidFill>
-                <a:schemeClr val="bg1"/>
-              </a:solidFill>
               <a:latin typeface="BlackCastleMF" panose="00000400000000000000" pitchFamily="2" charset="0"/>
             </a:endParaRPr>
           </a:p>
@@ -4187,8 +4326,8 @@
         </p:blipFill>
         <p:spPr bwMode="auto">
           <a:xfrm>
-            <a:off x="5249269" y="1412776"/>
-            <a:ext cx="3587128" cy="2161803"/>
+            <a:off x="1192302" y="2780147"/>
+            <a:ext cx="3466348" cy="2089014"/>
           </a:xfrm>
           <a:prstGeom prst="rect">
             <a:avLst/>
@@ -4241,8 +4380,8 @@
         </p:blipFill>
         <p:spPr bwMode="auto">
           <a:xfrm>
-            <a:off x="5292080" y="3861048"/>
-            <a:ext cx="3593604" cy="2695203"/>
+            <a:off x="4779430" y="4149080"/>
+            <a:ext cx="3448651" cy="2586488"/>
           </a:xfrm>
           <a:prstGeom prst="rect">
             <a:avLst/>
@@ -4295,8 +4434,8 @@
         </p:blipFill>
         <p:spPr bwMode="auto">
           <a:xfrm>
-            <a:off x="755576" y="1581270"/>
-            <a:ext cx="3456384" cy="2303163"/>
+            <a:off x="4860032" y="1397893"/>
+            <a:ext cx="3368049" cy="2244301"/>
           </a:xfrm>
           <a:prstGeom prst="rect">
             <a:avLst/>
@@ -4336,6 +4475,13 @@
   <p:clrMapOvr>
     <a:masterClrMapping/>
   </p:clrMapOvr>
+  <p:timing>
+    <p:tnLst>
+      <p:par>
+        <p:cTn id="1" dur="indefinite" restart="never" nodeType="tmRoot"/>
+      </p:par>
+    </p:tnLst>
+  </p:timing>
 </p:sld>
 </file>
 
@@ -4395,8 +4541,8 @@
         </p:nvSpPr>
         <p:spPr>
           <a:xfrm>
-            <a:off x="457200" y="4653136"/>
-            <a:ext cx="4114800" cy="2088232"/>
+            <a:off x="971600" y="1340768"/>
+            <a:ext cx="7200800" cy="5328592"/>
           </a:xfrm>
         </p:spPr>
         <p:txBody>
@@ -4407,9 +4553,6 @@
           <a:p>
             <a:r>
               <a:rPr lang="nl-NL" dirty="0" smtClean="0">
-                <a:solidFill>
-                  <a:schemeClr val="bg1"/>
-                </a:solidFill>
                 <a:latin typeface="BlackCastleMF" panose="00000400000000000000" pitchFamily="2" charset="0"/>
               </a:rPr>
               <a:t>Top down camera</a:t>
@@ -4418,231 +4561,64 @@
           <a:p>
             <a:r>
               <a:rPr lang="nl-NL" dirty="0" smtClean="0">
-                <a:solidFill>
-                  <a:schemeClr val="bg1"/>
-                </a:solidFill>
                 <a:latin typeface="BlackCastleMF" panose="00000400000000000000" pitchFamily="2" charset="0"/>
               </a:rPr>
               <a:t>Mouse </a:t>
             </a:r>
             <a:r>
               <a:rPr lang="nl-NL" dirty="0" err="1" smtClean="0">
-                <a:solidFill>
-                  <a:schemeClr val="bg1"/>
-                </a:solidFill>
                 <a:latin typeface="BlackCastleMF" panose="00000400000000000000" pitchFamily="2" charset="0"/>
               </a:rPr>
               <a:t>controlled</a:t>
             </a:r>
             <a:endParaRPr lang="nl-NL" dirty="0" smtClean="0">
-              <a:solidFill>
-                <a:schemeClr val="bg1"/>
-              </a:solidFill>
               <a:latin typeface="BlackCastleMF" panose="00000400000000000000" pitchFamily="2" charset="0"/>
             </a:endParaRPr>
           </a:p>
           <a:p>
             <a:r>
               <a:rPr lang="nl-NL" dirty="0" smtClean="0">
-                <a:solidFill>
-                  <a:schemeClr val="bg1"/>
-                </a:solidFill>
                 <a:latin typeface="BlackCastleMF" panose="00000400000000000000" pitchFamily="2" charset="0"/>
               </a:rPr>
-              <a:t>Resource management</a:t>
-            </a:r>
-          </a:p>
-        </p:txBody>
-      </p:sp>
-      <p:sp>
-        <p:nvSpPr>
-          <p:cNvPr id="4" name="Tijdelijke aanduiding voor inhoud 2"/>
-          <p:cNvSpPr txBox="1">
-            <a:spLocks/>
-          </p:cNvSpPr>
-          <p:nvPr/>
-        </p:nvSpPr>
-        <p:spPr>
-          <a:xfrm>
-            <a:off x="4721597" y="4653136"/>
-            <a:ext cx="4114800" cy="2088232"/>
-          </a:xfrm>
-          <a:prstGeom prst="rect">
-            <a:avLst/>
-          </a:prstGeom>
-        </p:spPr>
-        <p:txBody>
-          <a:bodyPr vert="horz" lIns="91440" tIns="45720" rIns="91440" bIns="45720" rtlCol="0">
-            <a:normAutofit/>
-          </a:bodyPr>
-          <a:lstStyle>
-            <a:lvl1pPr marL="342900" indent="-342900" algn="l" defTabSz="914400" rtl="0" eaLnBrk="1" latinLnBrk="0" hangingPunct="1">
-              <a:spcBef>
-                <a:spcPct val="20000"/>
-              </a:spcBef>
-              <a:buFont typeface="Arial" panose="020B0604020202020204" pitchFamily="34" charset="0"/>
-              <a:buChar char="•"/>
-              <a:defRPr sz="3200" kern="1200">
-                <a:solidFill>
-                  <a:schemeClr val="tx1"/>
-                </a:solidFill>
-                <a:latin typeface="+mn-lt"/>
-                <a:ea typeface="+mn-ea"/>
-                <a:cs typeface="+mn-cs"/>
-              </a:defRPr>
-            </a:lvl1pPr>
-            <a:lvl2pPr marL="742950" indent="-285750" algn="l" defTabSz="914400" rtl="0" eaLnBrk="1" latinLnBrk="0" hangingPunct="1">
-              <a:spcBef>
-                <a:spcPct val="20000"/>
-              </a:spcBef>
-              <a:buFont typeface="Arial" panose="020B0604020202020204" pitchFamily="34" charset="0"/>
-              <a:buChar char="–"/>
-              <a:defRPr sz="2800" kern="1200">
-                <a:solidFill>
-                  <a:schemeClr val="tx1"/>
-                </a:solidFill>
-                <a:latin typeface="+mn-lt"/>
-                <a:ea typeface="+mn-ea"/>
-                <a:cs typeface="+mn-cs"/>
-              </a:defRPr>
-            </a:lvl2pPr>
-            <a:lvl3pPr marL="1143000" indent="-228600" algn="l" defTabSz="914400" rtl="0" eaLnBrk="1" latinLnBrk="0" hangingPunct="1">
-              <a:spcBef>
-                <a:spcPct val="20000"/>
-              </a:spcBef>
-              <a:buFont typeface="Arial" panose="020B0604020202020204" pitchFamily="34" charset="0"/>
-              <a:buChar char="•"/>
-              <a:defRPr sz="2400" kern="1200">
-                <a:solidFill>
-                  <a:schemeClr val="tx1"/>
-                </a:solidFill>
-                <a:latin typeface="+mn-lt"/>
-                <a:ea typeface="+mn-ea"/>
-                <a:cs typeface="+mn-cs"/>
-              </a:defRPr>
-            </a:lvl3pPr>
-            <a:lvl4pPr marL="1600200" indent="-228600" algn="l" defTabSz="914400" rtl="0" eaLnBrk="1" latinLnBrk="0" hangingPunct="1">
-              <a:spcBef>
-                <a:spcPct val="20000"/>
-              </a:spcBef>
-              <a:buFont typeface="Arial" panose="020B0604020202020204" pitchFamily="34" charset="0"/>
-              <a:buChar char="–"/>
-              <a:defRPr sz="2000" kern="1200">
-                <a:solidFill>
-                  <a:schemeClr val="tx1"/>
-                </a:solidFill>
-                <a:latin typeface="+mn-lt"/>
-                <a:ea typeface="+mn-ea"/>
-                <a:cs typeface="+mn-cs"/>
-              </a:defRPr>
-            </a:lvl4pPr>
-            <a:lvl5pPr marL="2057400" indent="-228600" algn="l" defTabSz="914400" rtl="0" eaLnBrk="1" latinLnBrk="0" hangingPunct="1">
-              <a:spcBef>
-                <a:spcPct val="20000"/>
-              </a:spcBef>
-              <a:buFont typeface="Arial" panose="020B0604020202020204" pitchFamily="34" charset="0"/>
-              <a:buChar char="»"/>
-              <a:defRPr sz="2000" kern="1200">
-                <a:solidFill>
-                  <a:schemeClr val="tx1"/>
-                </a:solidFill>
-                <a:latin typeface="+mn-lt"/>
-                <a:ea typeface="+mn-ea"/>
-                <a:cs typeface="+mn-cs"/>
-              </a:defRPr>
-            </a:lvl5pPr>
-            <a:lvl6pPr marL="2514600" indent="-228600" algn="l" defTabSz="914400" rtl="0" eaLnBrk="1" latinLnBrk="0" hangingPunct="1">
-              <a:spcBef>
-                <a:spcPct val="20000"/>
-              </a:spcBef>
-              <a:buFont typeface="Arial" panose="020B0604020202020204" pitchFamily="34" charset="0"/>
-              <a:buChar char="•"/>
-              <a:defRPr sz="2000" kern="1200">
-                <a:solidFill>
-                  <a:schemeClr val="tx1"/>
-                </a:solidFill>
-                <a:latin typeface="+mn-lt"/>
-                <a:ea typeface="+mn-ea"/>
-                <a:cs typeface="+mn-cs"/>
-              </a:defRPr>
-            </a:lvl6pPr>
-            <a:lvl7pPr marL="2971800" indent="-228600" algn="l" defTabSz="914400" rtl="0" eaLnBrk="1" latinLnBrk="0" hangingPunct="1">
-              <a:spcBef>
-                <a:spcPct val="20000"/>
-              </a:spcBef>
-              <a:buFont typeface="Arial" panose="020B0604020202020204" pitchFamily="34" charset="0"/>
-              <a:buChar char="•"/>
-              <a:defRPr sz="2000" kern="1200">
-                <a:solidFill>
-                  <a:schemeClr val="tx1"/>
-                </a:solidFill>
-                <a:latin typeface="+mn-lt"/>
-                <a:ea typeface="+mn-ea"/>
-                <a:cs typeface="+mn-cs"/>
-              </a:defRPr>
-            </a:lvl7pPr>
-            <a:lvl8pPr marL="3429000" indent="-228600" algn="l" defTabSz="914400" rtl="0" eaLnBrk="1" latinLnBrk="0" hangingPunct="1">
-              <a:spcBef>
-                <a:spcPct val="20000"/>
-              </a:spcBef>
-              <a:buFont typeface="Arial" panose="020B0604020202020204" pitchFamily="34" charset="0"/>
-              <a:buChar char="•"/>
-              <a:defRPr sz="2000" kern="1200">
-                <a:solidFill>
-                  <a:schemeClr val="tx1"/>
-                </a:solidFill>
-                <a:latin typeface="+mn-lt"/>
-                <a:ea typeface="+mn-ea"/>
-                <a:cs typeface="+mn-cs"/>
-              </a:defRPr>
-            </a:lvl8pPr>
-            <a:lvl9pPr marL="3886200" indent="-228600" algn="l" defTabSz="914400" rtl="0" eaLnBrk="1" latinLnBrk="0" hangingPunct="1">
-              <a:spcBef>
-                <a:spcPct val="20000"/>
-              </a:spcBef>
-              <a:buFont typeface="Arial" panose="020B0604020202020204" pitchFamily="34" charset="0"/>
-              <a:buChar char="•"/>
-              <a:defRPr sz="2000" kern="1200">
-                <a:solidFill>
-                  <a:schemeClr val="tx1"/>
-                </a:solidFill>
-                <a:latin typeface="+mn-lt"/>
-                <a:ea typeface="+mn-ea"/>
-                <a:cs typeface="+mn-cs"/>
-              </a:defRPr>
-            </a:lvl9pPr>
-          </a:lstStyle>
+              <a:t>Resource </a:t>
+            </a:r>
+            <a:r>
+              <a:rPr lang="nl-NL" dirty="0" smtClean="0">
+                <a:latin typeface="BlackCastleMF" panose="00000400000000000000" pitchFamily="2" charset="0"/>
+              </a:rPr>
+              <a:t>management</a:t>
+            </a:r>
+          </a:p>
           <a:p>
             <a:r>
               <a:rPr lang="nl-NL" dirty="0" err="1" smtClean="0">
-                <a:solidFill>
-                  <a:schemeClr val="bg1"/>
-                </a:solidFill>
                 <a:latin typeface="BlackCastleMF" panose="00000400000000000000" pitchFamily="2" charset="0"/>
               </a:rPr>
               <a:t>Starvation</a:t>
             </a:r>
             <a:endParaRPr lang="nl-NL" dirty="0" smtClean="0">
-              <a:solidFill>
-                <a:schemeClr val="bg1"/>
-              </a:solidFill>
               <a:latin typeface="BlackCastleMF" panose="00000400000000000000" pitchFamily="2" charset="0"/>
             </a:endParaRPr>
           </a:p>
           <a:p>
             <a:r>
+              <a:rPr lang="nl-NL" dirty="0" err="1" smtClean="0">
+                <a:latin typeface="BlackCastleMF" panose="00000400000000000000" pitchFamily="2" charset="0"/>
+              </a:rPr>
+              <a:t>Hapiness</a:t>
+            </a:r>
+            <a:endParaRPr lang="nl-NL" dirty="0" smtClean="0">
+              <a:latin typeface="BlackCastleMF" panose="00000400000000000000" pitchFamily="2" charset="0"/>
+            </a:endParaRPr>
+          </a:p>
+          <a:p>
+            <a:r>
               <a:rPr lang="nl-NL" dirty="0" smtClean="0">
-                <a:solidFill>
-                  <a:schemeClr val="bg1"/>
-                </a:solidFill>
                 <a:latin typeface="BlackCastleMF" panose="00000400000000000000" pitchFamily="2" charset="0"/>
               </a:rPr>
               <a:t>Supply chain</a:t>
             </a:r>
-            <a:endParaRPr lang="nl-NL" dirty="0">
-              <a:solidFill>
-                <a:schemeClr val="bg1"/>
-              </a:solidFill>
+            <a:endParaRPr lang="nl-NL" dirty="0" smtClean="0">
               <a:latin typeface="BlackCastleMF" panose="00000400000000000000" pitchFamily="2" charset="0"/>
             </a:endParaRPr>
           </a:p>
@@ -4658,6 +4634,82 @@
   <p:clrMapOvr>
     <a:masterClrMapping/>
   </p:clrMapOvr>
+  <p:timing>
+    <p:tnLst>
+      <p:par>
+        <p:cTn id="1" dur="indefinite" restart="never" nodeType="tmRoot"/>
+      </p:par>
+    </p:tnLst>
+  </p:timing>
+</p:sld>
+</file>
+
+<file path=ppt/slides/slide6.xml><?xml version="1.0" encoding="utf-8"?>
+<p:sld xmlns:a="http://schemas.openxmlformats.org/drawingml/2006/main" xmlns:r="http://schemas.openxmlformats.org/officeDocument/2006/relationships" xmlns:p="http://schemas.openxmlformats.org/presentationml/2006/main">
+  <p:cSld>
+    <p:spTree>
+      <p:nvGrpSpPr>
+        <p:cNvPr id="1" name=""/>
+        <p:cNvGrpSpPr/>
+        <p:nvPr/>
+      </p:nvGrpSpPr>
+      <p:grpSpPr>
+        <a:xfrm>
+          <a:off x="0" y="0"/>
+          <a:ext cx="0" cy="0"/>
+          <a:chOff x="0" y="0"/>
+          <a:chExt cx="0" cy="0"/>
+        </a:xfrm>
+      </p:grpSpPr>
+      <p:sp>
+        <p:nvSpPr>
+          <p:cNvPr id="2" name="Titel 1"/>
+          <p:cNvSpPr>
+            <a:spLocks noGrp="1"/>
+          </p:cNvSpPr>
+          <p:nvPr>
+            <p:ph type="title"/>
+          </p:nvPr>
+        </p:nvSpPr>
+        <p:spPr>
+          <a:xfrm>
+            <a:off x="755576" y="0"/>
+            <a:ext cx="7632848" cy="6858000"/>
+          </a:xfrm>
+        </p:spPr>
+        <p:txBody>
+          <a:bodyPr/>
+          <a:lstStyle/>
+          <a:p>
+            <a:r>
+              <a:rPr lang="nl-NL" dirty="0" smtClean="0">
+                <a:latin typeface="BlackCastleMF" panose="00000400000000000000" pitchFamily="2" charset="0"/>
+              </a:rPr>
+              <a:t>Vragen?</a:t>
+            </a:r>
+            <a:endParaRPr lang="nl-NL" dirty="0">
+              <a:latin typeface="BlackCastleMF" panose="00000400000000000000" pitchFamily="2" charset="0"/>
+            </a:endParaRPr>
+          </a:p>
+        </p:txBody>
+      </p:sp>
+    </p:spTree>
+    <p:extLst>
+      <p:ext uri="{BB962C8B-B14F-4D97-AF65-F5344CB8AC3E}">
+        <p14:creationId xmlns:p14="http://schemas.microsoft.com/office/powerpoint/2010/main" val="1873220657"/>
+      </p:ext>
+    </p:extLst>
+  </p:cSld>
+  <p:clrMapOvr>
+    <a:masterClrMapping/>
+  </p:clrMapOvr>
+  <p:timing>
+    <p:tnLst>
+      <p:par>
+        <p:cTn id="1" dur="indefinite" restart="never" nodeType="tmRoot"/>
+      </p:par>
+    </p:tnLst>
+  </p:timing>
 </p:sld>
 </file>
 
